--- a/Installing git.pptx
+++ b/Installing git.pptx
@@ -30,6 +30,7 @@
     <p:sldId id="280" r:id="rId27"/>
     <p:sldId id="281" r:id="rId28"/>
     <p:sldId id="282" r:id="rId29"/>
+    <p:sldId id="283" r:id="rId30"/>
   </p:sldIdLst>
   <p:sldSz cx="12192000" cy="6858000"/>
   <p:notesSz cx="6858000" cy="9144000"/>
@@ -5571,6 +5572,66 @@
 </p:sld>
 </file>
 
+<file path=ppt/slides/slide26.xml><?xml version="1.0" encoding="utf-8"?>
+<p:sld xmlns:a="http://schemas.openxmlformats.org/drawingml/2006/main" xmlns:r="http://schemas.openxmlformats.org/officeDocument/2006/relationships" xmlns:p="http://schemas.openxmlformats.org/presentationml/2006/main">
+  <p:cSld>
+    <p:spTree>
+      <p:nvGrpSpPr>
+        <p:cNvPr id="1" name=""/>
+        <p:cNvGrpSpPr/>
+        <p:nvPr/>
+      </p:nvGrpSpPr>
+      <p:grpSpPr>
+        <a:xfrm>
+          <a:off x="0" y="0"/>
+          <a:ext cx="0" cy="0"/>
+          <a:chOff x="0" y="0"/>
+          <a:chExt cx="0" cy="0"/>
+        </a:xfrm>
+      </p:grpSpPr>
+      <p:pic>
+        <p:nvPicPr>
+          <p:cNvPr id="3" name="Picture 2">
+            <a:extLst>
+              <a:ext uri="{FF2B5EF4-FFF2-40B4-BE49-F238E27FC236}">
+                <a16:creationId xmlns:a16="http://schemas.microsoft.com/office/drawing/2014/main" id="{2E8E91E2-C00E-26AE-93CC-B5031E3F6873}"/>
+              </a:ext>
+            </a:extLst>
+          </p:cNvPr>
+          <p:cNvPicPr>
+            <a:picLocks noChangeAspect="1"/>
+          </p:cNvPicPr>
+          <p:nvPr/>
+        </p:nvPicPr>
+        <p:blipFill>
+          <a:blip r:embed="rId2"/>
+          <a:stretch>
+            <a:fillRect/>
+          </a:stretch>
+        </p:blipFill>
+        <p:spPr>
+          <a:xfrm>
+            <a:off x="45663" y="147919"/>
+            <a:ext cx="12100674" cy="3126440"/>
+          </a:xfrm>
+          <a:prstGeom prst="rect">
+            <a:avLst/>
+          </a:prstGeom>
+        </p:spPr>
+      </p:pic>
+    </p:spTree>
+    <p:extLst>
+      <p:ext uri="{BB962C8B-B14F-4D97-AF65-F5344CB8AC3E}">
+        <p14:creationId xmlns:p14="http://schemas.microsoft.com/office/powerpoint/2010/main" val="2754715141"/>
+      </p:ext>
+    </p:extLst>
+  </p:cSld>
+  <p:clrMapOvr>
+    <a:masterClrMapping/>
+  </p:clrMapOvr>
+</p:sld>
+</file>
+
 <file path=ppt/slides/slide3.xml><?xml version="1.0" encoding="utf-8"?>
 <p:sld xmlns:a="http://schemas.openxmlformats.org/drawingml/2006/main" xmlns:r="http://schemas.openxmlformats.org/officeDocument/2006/relationships" xmlns:p="http://schemas.openxmlformats.org/presentationml/2006/main">
   <p:cSld>
@@ -6489,12 +6550,6 @@
 </file>
 
 <file path=customXml/item1.xml><?xml version="1.0" encoding="utf-8"?>
-<p:properties xmlns:p="http://schemas.microsoft.com/office/2006/metadata/properties" xmlns:xsi="http://www.w3.org/2001/XMLSchema-instance" xmlns:pc="http://schemas.microsoft.com/office/infopath/2007/PartnerControls">
-  <documentManagement/>
-</p:properties>
-</file>
-
-<file path=customXml/item2.xml><?xml version="1.0" encoding="utf-8"?>
 <ct:contentTypeSchema xmlns:ct="http://schemas.microsoft.com/office/2006/metadata/contentType" xmlns:ma="http://schemas.microsoft.com/office/2006/metadata/properties/metaAttributes" ct:_="" ma:_="" ma:contentTypeName="Document" ma:contentTypeID="0x010100F4F7FF22093805478C1AC3DECA046AE2" ma:contentTypeVersion="8" ma:contentTypeDescription="Create a new document." ma:contentTypeScope="" ma:versionID="355f70b62edaa6431edc676a4e077378">
   <xsd:schema xmlns:xsd="http://www.w3.org/2001/XMLSchema" xmlns:xs="http://www.w3.org/2001/XMLSchema" xmlns:p="http://schemas.microsoft.com/office/2006/metadata/properties" xmlns:ns3="645951c4-77b2-4271-8f10-a0d3c1e36172" xmlns:ns4="4999cf13-cb53-4a3d-a90e-c2f6e51a4028" targetNamespace="http://schemas.microsoft.com/office/2006/metadata/properties" ma:root="true" ma:fieldsID="2227e73c82c8b7740b460282c33c29e7" ns3:_="" ns4:_="">
     <xsd:import namespace="645951c4-77b2-4271-8f10-a0d3c1e36172"/>
@@ -6685,6 +6740,12 @@
 </ct:contentTypeSchema>
 </file>
 
+<file path=customXml/item2.xml><?xml version="1.0" encoding="utf-8"?>
+<p:properties xmlns:p="http://schemas.microsoft.com/office/2006/metadata/properties" xmlns:xsi="http://www.w3.org/2001/XMLSchema-instance" xmlns:pc="http://schemas.microsoft.com/office/infopath/2007/PartnerControls">
+  <documentManagement/>
+</p:properties>
+</file>
+
 <file path=customXml/item3.xml><?xml version="1.0" encoding="utf-8"?>
 <?mso-contentType ?>
 <FormTemplates xmlns="http://schemas.microsoft.com/sharepoint/v3/contenttype/forms">
@@ -6695,23 +6756,6 @@
 </file>
 
 <file path=customXml/itemProps1.xml><?xml version="1.0" encoding="utf-8"?>
-<ds:datastoreItem xmlns:ds="http://schemas.openxmlformats.org/officeDocument/2006/customXml" ds:itemID="{92A6475F-74BE-49E2-AA53-D5190570A614}">
-  <ds:schemaRefs>
-    <ds:schemaRef ds:uri="645951c4-77b2-4271-8f10-a0d3c1e36172"/>
-    <ds:schemaRef ds:uri="http://purl.org/dc/terms/"/>
-    <ds:schemaRef ds:uri="http://schemas.openxmlformats.org/package/2006/metadata/core-properties"/>
-    <ds:schemaRef ds:uri="http://schemas.microsoft.com/office/2006/documentManagement/types"/>
-    <ds:schemaRef ds:uri="http://schemas.microsoft.com/office/infopath/2007/PartnerControls"/>
-    <ds:schemaRef ds:uri="4999cf13-cb53-4a3d-a90e-c2f6e51a4028"/>
-    <ds:schemaRef ds:uri="http://purl.org/dc/elements/1.1/"/>
-    <ds:schemaRef ds:uri="http://schemas.microsoft.com/office/2006/metadata/properties"/>
-    <ds:schemaRef ds:uri="http://www.w3.org/XML/1998/namespace"/>
-    <ds:schemaRef ds:uri="http://purl.org/dc/dcmitype/"/>
-  </ds:schemaRefs>
-</ds:datastoreItem>
-</file>
-
-<file path=customXml/itemProps2.xml><?xml version="1.0" encoding="utf-8"?>
 <ds:datastoreItem xmlns:ds="http://schemas.openxmlformats.org/officeDocument/2006/customXml" ds:itemID="{7B8DF68D-5FB3-440F-B135-BC13D85A75AA}">
   <ds:schemaRefs>
     <ds:schemaRef ds:uri="http://schemas.microsoft.com/office/2006/metadata/contentType"/>
@@ -6730,6 +6774,23 @@
 </ds:datastoreItem>
 </file>
 
+<file path=customXml/itemProps2.xml><?xml version="1.0" encoding="utf-8"?>
+<ds:datastoreItem xmlns:ds="http://schemas.openxmlformats.org/officeDocument/2006/customXml" ds:itemID="{92A6475F-74BE-49E2-AA53-D5190570A614}">
+  <ds:schemaRefs>
+    <ds:schemaRef ds:uri="645951c4-77b2-4271-8f10-a0d3c1e36172"/>
+    <ds:schemaRef ds:uri="http://purl.org/dc/terms/"/>
+    <ds:schemaRef ds:uri="http://schemas.openxmlformats.org/package/2006/metadata/core-properties"/>
+    <ds:schemaRef ds:uri="http://schemas.microsoft.com/office/2006/documentManagement/types"/>
+    <ds:schemaRef ds:uri="http://schemas.microsoft.com/office/infopath/2007/PartnerControls"/>
+    <ds:schemaRef ds:uri="4999cf13-cb53-4a3d-a90e-c2f6e51a4028"/>
+    <ds:schemaRef ds:uri="http://purl.org/dc/elements/1.1/"/>
+    <ds:schemaRef ds:uri="http://schemas.microsoft.com/office/2006/metadata/properties"/>
+    <ds:schemaRef ds:uri="http://www.w3.org/XML/1998/namespace"/>
+    <ds:schemaRef ds:uri="http://purl.org/dc/dcmitype/"/>
+  </ds:schemaRefs>
+</ds:datastoreItem>
+</file>
+
 <file path=customXml/itemProps3.xml><?xml version="1.0" encoding="utf-8"?>
 <ds:datastoreItem xmlns:ds="http://schemas.openxmlformats.org/officeDocument/2006/customXml" ds:itemID="{0C22064C-1319-48D9-99A8-E6155754BCCB}">
   <ds:schemaRefs>
